--- a/Lab/Lab 1.pptx
+++ b/Lab/Lab 1.pptx
@@ -216,7 +216,7 @@
           <a:effectLst/>
           <a:extLst>
             <a:ext uri="{91240B29-F687-4f45-9708-019B960494DF}">
-              <a14:hiddenLine xmlns="" xmlns:a14="http://schemas.microsoft.com/office/drawing/2010/main" w="9525">
+              <a14:hiddenLine xmlns:a14="http://schemas.microsoft.com/office/drawing/2010/main" xmlns="" w="9525">
                 <a:solidFill>
                   <a:srgbClr val="000000"/>
                 </a:solidFill>
@@ -409,7 +409,7 @@
             <a:fld id="{08B9EBBA-996F-894A-B54A-D6246ED52CEA}" type="datetimeFigureOut">
               <a:rPr lang="en-US" smtClean="0"/>
               <a:pPr/>
-              <a:t>3/1/18</a:t>
+              <a:t>2/25/19</a:t>
             </a:fld>
             <a:endParaRPr lang="en-US" dirty="0"/>
           </a:p>
@@ -729,7 +729,7 @@
             <a:fld id="{09B482E8-6E0E-1B4F-B1FD-C69DB9E858D9}" type="datetimeFigureOut">
               <a:rPr lang="en-US" smtClean="0"/>
               <a:pPr/>
-              <a:t>3/1/18</a:t>
+              <a:t>2/25/19</a:t>
             </a:fld>
             <a:endParaRPr lang="en-US" dirty="0"/>
           </a:p>
@@ -1220,7 +1220,7 @@
             <a:fld id="{09B482E8-6E0E-1B4F-B1FD-C69DB9E858D9}" type="datetimeFigureOut">
               <a:rPr lang="en-US" smtClean="0"/>
               <a:pPr/>
-              <a:t>3/1/18</a:t>
+              <a:t>2/25/19</a:t>
             </a:fld>
             <a:endParaRPr lang="en-US" dirty="0"/>
           </a:p>
@@ -1592,7 +1592,7 @@
             <a:fld id="{09B482E8-6E0E-1B4F-B1FD-C69DB9E858D9}" type="datetimeFigureOut">
               <a:rPr lang="en-US" smtClean="0"/>
               <a:pPr/>
-              <a:t>3/1/18</a:t>
+              <a:t>2/25/19</a:t>
             </a:fld>
             <a:endParaRPr lang="en-US" dirty="0"/>
           </a:p>
@@ -1749,7 +1749,7 @@
           <a:ln/>
           <a:extLst>
             <a:ext uri="{91240B29-F687-4f45-9708-019B960494DF}">
-              <a14:hiddenLine xmlns="" xmlns:a14="http://schemas.microsoft.com/office/drawing/2010/main" w="9525">
+              <a14:hiddenLine xmlns:a14="http://schemas.microsoft.com/office/drawing/2010/main" xmlns="" w="9525">
                 <a:solidFill>
                   <a:srgbClr val="000000"/>
                 </a:solidFill>
@@ -1868,7 +1868,7 @@
             <a:fld id="{C6C52C72-DE31-F449-A4ED-4C594FD91407}" type="datetimeFigureOut">
               <a:rPr lang="en-US" smtClean="0"/>
               <a:pPr/>
-              <a:t>3/1/18</a:t>
+              <a:t>2/25/19</a:t>
             </a:fld>
             <a:endParaRPr lang="en-US" dirty="0"/>
           </a:p>
@@ -2026,7 +2026,7 @@
           <a:ln/>
           <a:extLst>
             <a:ext uri="{91240B29-F687-4f45-9708-019B960494DF}">
-              <a14:hiddenLine xmlns="" xmlns:a14="http://schemas.microsoft.com/office/drawing/2010/main" w="9525">
+              <a14:hiddenLine xmlns:a14="http://schemas.microsoft.com/office/drawing/2010/main" xmlns="" w="9525">
                 <a:solidFill>
                   <a:srgbClr val="000000"/>
                 </a:solidFill>
@@ -2155,7 +2155,7 @@
             <a:fld id="{ED62726E-379B-B349-9EED-81ED093FA806}" type="datetimeFigureOut">
               <a:rPr lang="en-US" smtClean="0"/>
               <a:pPr/>
-              <a:t>3/1/18</a:t>
+              <a:t>2/25/19</a:t>
             </a:fld>
             <a:endParaRPr lang="en-US" dirty="0"/>
           </a:p>
@@ -2311,7 +2311,7 @@
           <a:ln/>
           <a:extLst>
             <a:ext uri="{91240B29-F687-4f45-9708-019B960494DF}">
-              <a14:hiddenLine xmlns="" xmlns:a14="http://schemas.microsoft.com/office/drawing/2010/main" w="9525">
+              <a14:hiddenLine xmlns:a14="http://schemas.microsoft.com/office/drawing/2010/main" xmlns="" w="9525">
                 <a:solidFill>
                   <a:srgbClr val="000000"/>
                 </a:solidFill>
@@ -2440,7 +2440,7 @@
             <a:fld id="{9B3A1323-8D79-1946-B0D7-40001CF92E9D}" type="datetimeFigureOut">
               <a:rPr lang="en-US" smtClean="0"/>
               <a:pPr/>
-              <a:t>3/1/18</a:t>
+              <a:t>2/25/19</a:t>
             </a:fld>
             <a:endParaRPr lang="en-US" dirty="0"/>
           </a:p>
@@ -2785,7 +2785,7 @@
             <a:fld id="{8DFA1846-DA80-1C48-A609-854EA85C59AD}" type="datetimeFigureOut">
               <a:rPr lang="en-US" smtClean="0"/>
               <a:pPr/>
-              <a:t>3/1/18</a:t>
+              <a:t>2/25/19</a:t>
             </a:fld>
             <a:endParaRPr lang="en-US" dirty="0"/>
           </a:p>
@@ -2941,7 +2941,7 @@
           <a:ln/>
           <a:extLst>
             <a:ext uri="{91240B29-F687-4f45-9708-019B960494DF}">
-              <a14:hiddenLine xmlns="" xmlns:a14="http://schemas.microsoft.com/office/drawing/2010/main" w="9525">
+              <a14:hiddenLine xmlns:a14="http://schemas.microsoft.com/office/drawing/2010/main" xmlns="" w="9525">
                 <a:solidFill>
                   <a:srgbClr val="000000"/>
                 </a:solidFill>
@@ -3126,7 +3126,7 @@
             <a:fld id="{57302355-E14B-8545-A8F8-0FE83CC9D524}" type="datetimeFigureOut">
               <a:rPr lang="en-US" smtClean="0"/>
               <a:pPr/>
-              <a:t>3/1/18</a:t>
+              <a:t>2/25/19</a:t>
             </a:fld>
             <a:endParaRPr lang="en-US" dirty="0"/>
           </a:p>
@@ -3282,7 +3282,7 @@
           <a:ln/>
           <a:extLst>
             <a:ext uri="{91240B29-F687-4f45-9708-019B960494DF}">
-              <a14:hiddenLine xmlns="" xmlns:a14="http://schemas.microsoft.com/office/drawing/2010/main" w="9525">
+              <a14:hiddenLine xmlns:a14="http://schemas.microsoft.com/office/drawing/2010/main" xmlns="" w="9525">
                 <a:solidFill>
                   <a:srgbClr val="000000"/>
                 </a:solidFill>
@@ -3605,7 +3605,7 @@
             <a:fld id="{02640F58-564D-2B4F-AE67-E407BA4FCF45}" type="datetimeFigureOut">
               <a:rPr lang="en-US" smtClean="0"/>
               <a:pPr/>
-              <a:t>3/1/18</a:t>
+              <a:t>2/25/19</a:t>
             </a:fld>
             <a:endParaRPr lang="en-US" dirty="0"/>
           </a:p>
@@ -3761,7 +3761,7 @@
           <a:ln/>
           <a:extLst>
             <a:ext uri="{91240B29-F687-4f45-9708-019B960494DF}">
-              <a14:hiddenLine xmlns="" xmlns:a14="http://schemas.microsoft.com/office/drawing/2010/main" w="9525">
+              <a14:hiddenLine xmlns:a14="http://schemas.microsoft.com/office/drawing/2010/main" xmlns="" w="9525">
                 <a:solidFill>
                   <a:srgbClr val="000000"/>
                 </a:solidFill>
@@ -3828,7 +3828,7 @@
             <a:fld id="{F13A34C8-038E-2045-AF43-DF7DBB8E0E9E}" type="datetimeFigureOut">
               <a:rPr lang="en-US" smtClean="0"/>
               <a:pPr/>
-              <a:t>3/1/18</a:t>
+              <a:t>2/25/19</a:t>
             </a:fld>
             <a:endParaRPr lang="en-US" dirty="0"/>
           </a:p>
@@ -3925,7 +3925,7 @@
             <a:fld id="{8818C68F-D26B-8F47-958C-23B49CF8A634}" type="datetimeFigureOut">
               <a:rPr lang="en-US" smtClean="0"/>
               <a:pPr/>
-              <a:t>3/1/18</a:t>
+              <a:t>2/25/19</a:t>
             </a:fld>
             <a:endParaRPr lang="en-US" dirty="0"/>
           </a:p>
@@ -4194,7 +4194,7 @@
           <a:ln/>
           <a:extLst>
             <a:ext uri="{91240B29-F687-4f45-9708-019B960494DF}">
-              <a14:hiddenLine xmlns="" xmlns:a14="http://schemas.microsoft.com/office/drawing/2010/main" w="9525">
+              <a14:hiddenLine xmlns:a14="http://schemas.microsoft.com/office/drawing/2010/main" xmlns="" w="9525">
                 <a:solidFill>
                   <a:srgbClr val="000000"/>
                 </a:solidFill>
@@ -4394,7 +4394,7 @@
             <a:fld id="{D0DF5E60-9974-AC48-9591-99C2BB44B7CF}" type="datetimeFigureOut">
               <a:rPr lang="en-US" smtClean="0"/>
               <a:pPr/>
-              <a:t>3/1/18</a:t>
+              <a:t>2/25/19</a:t>
             </a:fld>
             <a:endParaRPr lang="en-US" dirty="0"/>
           </a:p>
@@ -4709,7 +4709,7 @@
             <a:fld id="{18C79C5D-2A6F-F04D-97DA-BEF2467B64E4}" type="datetimeFigureOut">
               <a:rPr lang="en-US" smtClean="0"/>
               <a:pPr/>
-              <a:t>3/1/18</a:t>
+              <a:t>2/25/19</a:t>
             </a:fld>
             <a:endParaRPr lang="en-US" dirty="0"/>
           </a:p>
@@ -4981,7 +4981,7 @@
             <a:fld id="{09B482E8-6E0E-1B4F-B1FD-C69DB9E858D9}" type="datetimeFigureOut">
               <a:rPr lang="en-US" smtClean="0"/>
               <a:pPr/>
-              <a:t>3/1/18</a:t>
+              <a:t>2/25/19</a:t>
             </a:fld>
             <a:endParaRPr lang="en-US" dirty="0"/>
           </a:p>
@@ -5613,14 +5613,12 @@
           </a:p>
           <a:p>
             <a:r>
+              <a:rPr lang="en-US"/>
+              <a:t>Screenshot </a:t>
+            </a:r>
+            <a:r>
               <a:rPr lang="en-US" dirty="0"/>
-              <a:t>write something in the window</a:t>
-            </a:r>
-          </a:p>
-          <a:p>
-            <a:r>
-              <a:rPr lang="en-US" dirty="0"/>
-              <a:t>Screenshot result with your pc background wallpaper</a:t>
+              <a:t>result with your pc background wallpaper</a:t>
             </a:r>
           </a:p>
         </p:txBody>
